--- a/docs/source/images/AlliGator Manual Edited Images.pptx
+++ b/docs/source/images/AlliGator Manual Edited Images.pptx
@@ -6,8 +6,9 @@
   </p:sldMasterIdLst>
   <p:sldIdLst>
     <p:sldId id="256" r:id="rId2"/>
-    <p:sldId id="257" r:id="rId3"/>
-    <p:sldId id="258" r:id="rId4"/>
+    <p:sldId id="259" r:id="rId3"/>
+    <p:sldId id="257" r:id="rId4"/>
+    <p:sldId id="258" r:id="rId5"/>
   </p:sldIdLst>
   <p:sldSz cx="12192000" cy="6858000"/>
   <p:notesSz cx="6858000" cy="9144000"/>
@@ -109,7 +110,7 @@
   <p:extLst>
     <p:ext uri="{EFAFB233-063F-42B5-8137-9DF3F51BA10A}">
       <p15:sldGuideLst xmlns:p15="http://schemas.microsoft.com/office/powerpoint/2012/main">
-        <p15:guide id="1" orient="horz" pos="2160" userDrawn="1">
+        <p15:guide id="1" orient="horz" pos="2184" userDrawn="1">
           <p15:clr>
             <a:srgbClr val="A4A3A4"/>
           </p15:clr>
@@ -272,7 +273,7 @@
           <a:p>
             <a:fld id="{1E297A4B-42C7-40B1-84E8-164C91E6D4AB}" type="datetimeFigureOut">
               <a:rPr lang="en-US" smtClean="0"/>
-              <a:t>4/11/2022</a:t>
+              <a:t>8/20/2024</a:t>
             </a:fld>
             <a:endParaRPr lang="en-US"/>
           </a:p>
@@ -470,7 +471,7 @@
           <a:p>
             <a:fld id="{1E297A4B-42C7-40B1-84E8-164C91E6D4AB}" type="datetimeFigureOut">
               <a:rPr lang="en-US" smtClean="0"/>
-              <a:t>4/11/2022</a:t>
+              <a:t>8/20/2024</a:t>
             </a:fld>
             <a:endParaRPr lang="en-US"/>
           </a:p>
@@ -678,7 +679,7 @@
           <a:p>
             <a:fld id="{1E297A4B-42C7-40B1-84E8-164C91E6D4AB}" type="datetimeFigureOut">
               <a:rPr lang="en-US" smtClean="0"/>
-              <a:t>4/11/2022</a:t>
+              <a:t>8/20/2024</a:t>
             </a:fld>
             <a:endParaRPr lang="en-US"/>
           </a:p>
@@ -876,7 +877,7 @@
           <a:p>
             <a:fld id="{1E297A4B-42C7-40B1-84E8-164C91E6D4AB}" type="datetimeFigureOut">
               <a:rPr lang="en-US" smtClean="0"/>
-              <a:t>4/11/2022</a:t>
+              <a:t>8/20/2024</a:t>
             </a:fld>
             <a:endParaRPr lang="en-US"/>
           </a:p>
@@ -1151,7 +1152,7 @@
           <a:p>
             <a:fld id="{1E297A4B-42C7-40B1-84E8-164C91E6D4AB}" type="datetimeFigureOut">
               <a:rPr lang="en-US" smtClean="0"/>
-              <a:t>4/11/2022</a:t>
+              <a:t>8/20/2024</a:t>
             </a:fld>
             <a:endParaRPr lang="en-US"/>
           </a:p>
@@ -1416,7 +1417,7 @@
           <a:p>
             <a:fld id="{1E297A4B-42C7-40B1-84E8-164C91E6D4AB}" type="datetimeFigureOut">
               <a:rPr lang="en-US" smtClean="0"/>
-              <a:t>4/11/2022</a:t>
+              <a:t>8/20/2024</a:t>
             </a:fld>
             <a:endParaRPr lang="en-US"/>
           </a:p>
@@ -1828,7 +1829,7 @@
           <a:p>
             <a:fld id="{1E297A4B-42C7-40B1-84E8-164C91E6D4AB}" type="datetimeFigureOut">
               <a:rPr lang="en-US" smtClean="0"/>
-              <a:t>4/11/2022</a:t>
+              <a:t>8/20/2024</a:t>
             </a:fld>
             <a:endParaRPr lang="en-US"/>
           </a:p>
@@ -1969,7 +1970,7 @@
           <a:p>
             <a:fld id="{1E297A4B-42C7-40B1-84E8-164C91E6D4AB}" type="datetimeFigureOut">
               <a:rPr lang="en-US" smtClean="0"/>
-              <a:t>4/11/2022</a:t>
+              <a:t>8/20/2024</a:t>
             </a:fld>
             <a:endParaRPr lang="en-US"/>
           </a:p>
@@ -2082,7 +2083,7 @@
           <a:p>
             <a:fld id="{1E297A4B-42C7-40B1-84E8-164C91E6D4AB}" type="datetimeFigureOut">
               <a:rPr lang="en-US" smtClean="0"/>
-              <a:t>4/11/2022</a:t>
+              <a:t>8/20/2024</a:t>
             </a:fld>
             <a:endParaRPr lang="en-US"/>
           </a:p>
@@ -2393,7 +2394,7 @@
           <a:p>
             <a:fld id="{1E297A4B-42C7-40B1-84E8-164C91E6D4AB}" type="datetimeFigureOut">
               <a:rPr lang="en-US" smtClean="0"/>
-              <a:t>4/11/2022</a:t>
+              <a:t>8/20/2024</a:t>
             </a:fld>
             <a:endParaRPr lang="en-US"/>
           </a:p>
@@ -2681,7 +2682,7 @@
           <a:p>
             <a:fld id="{1E297A4B-42C7-40B1-84E8-164C91E6D4AB}" type="datetimeFigureOut">
               <a:rPr lang="en-US" smtClean="0"/>
-              <a:t>4/11/2022</a:t>
+              <a:t>8/20/2024</a:t>
             </a:fld>
             <a:endParaRPr lang="en-US"/>
           </a:p>
@@ -2922,7 +2923,7 @@
           <a:p>
             <a:fld id="{1E297A4B-42C7-40B1-84E8-164C91E6D4AB}" type="datetimeFigureOut">
               <a:rPr lang="en-US" smtClean="0"/>
-              <a:t>4/11/2022</a:t>
+              <a:t>8/20/2024</a:t>
             </a:fld>
             <a:endParaRPr lang="en-US"/>
           </a:p>
@@ -3341,10 +3342,10 @@
       </p:grpSpPr>
       <p:pic>
         <p:nvPicPr>
-          <p:cNvPr id="2" name="Picture 1">
-            <a:extLst>
-              <a:ext uri="{FF2B5EF4-FFF2-40B4-BE49-F238E27FC236}">
-                <a16:creationId xmlns:a16="http://schemas.microsoft.com/office/drawing/2014/main" id="{AE597AAF-7F7B-4CA2-8195-63B410864824}"/>
+          <p:cNvPr id="3" name="Picture 2">
+            <a:extLst>
+              <a:ext uri="{FF2B5EF4-FFF2-40B4-BE49-F238E27FC236}">
+                <a16:creationId xmlns:a16="http://schemas.microsoft.com/office/drawing/2014/main" id="{EFA6D2C2-24E3-4CA9-A316-3175BEE4C349}"/>
               </a:ext>
             </a:extLst>
           </p:cNvPr>
@@ -3355,13 +3356,13 @@
         </p:nvPicPr>
         <p:blipFill rotWithShape="1">
           <a:blip r:embed="rId2"/>
-          <a:srcRect t="9907" r="53794"/>
+          <a:srcRect t="1164" r="84"/>
           <a:stretch/>
         </p:blipFill>
         <p:spPr>
           <a:xfrm>
-            <a:off x="3225060" y="1016832"/>
-            <a:ext cx="5581434" cy="5278249"/>
+            <a:off x="3198570" y="500765"/>
+            <a:ext cx="5634879" cy="6072978"/>
           </a:xfrm>
           <a:prstGeom prst="rect">
             <a:avLst/>
@@ -3382,8 +3383,8 @@
         </p:nvSpPr>
         <p:spPr>
           <a:xfrm>
-            <a:off x="5443442" y="1080097"/>
-            <a:ext cx="3252563" cy="392762"/>
+            <a:off x="3280269" y="855687"/>
+            <a:ext cx="4487110" cy="479092"/>
           </a:xfrm>
           <a:prstGeom prst="rect">
             <a:avLst/>
@@ -3434,8 +3435,8 @@
         </p:nvSpPr>
         <p:spPr>
           <a:xfrm>
-            <a:off x="7646594" y="1515817"/>
-            <a:ext cx="509364" cy="4007404"/>
+            <a:off x="7646593" y="1354693"/>
+            <a:ext cx="537797" cy="3872912"/>
           </a:xfrm>
           <a:prstGeom prst="rect">
             <a:avLst/>
@@ -3486,8 +3487,8 @@
         </p:nvSpPr>
         <p:spPr>
           <a:xfrm>
-            <a:off x="3228016" y="1587925"/>
-            <a:ext cx="380490" cy="3438207"/>
+            <a:off x="3228016" y="1334779"/>
+            <a:ext cx="380490" cy="3314859"/>
           </a:xfrm>
           <a:prstGeom prst="rect">
             <a:avLst/>
@@ -3538,8 +3539,8 @@
         </p:nvSpPr>
         <p:spPr>
           <a:xfrm>
-            <a:off x="3528725" y="1080097"/>
-            <a:ext cx="1853347" cy="392762"/>
+            <a:off x="3562365" y="480851"/>
+            <a:ext cx="1853347" cy="369332"/>
           </a:xfrm>
           <a:prstGeom prst="rect">
             <a:avLst/>
@@ -3590,8 +3591,8 @@
         </p:nvSpPr>
         <p:spPr>
           <a:xfrm>
-            <a:off x="3228016" y="5467989"/>
-            <a:ext cx="1116918" cy="231377"/>
+            <a:off x="3198569" y="5745197"/>
+            <a:ext cx="1554585" cy="289482"/>
           </a:xfrm>
           <a:prstGeom prst="rect">
             <a:avLst/>
@@ -3683,13 +3684,14 @@
           </p:cNvPr>
           <p:cNvCxnSpPr>
             <a:cxnSpLocks/>
+            <a:endCxn id="10" idx="1"/>
           </p:cNvCxnSpPr>
           <p:nvPr/>
         </p:nvCxnSpPr>
         <p:spPr>
-          <a:xfrm flipV="1">
-            <a:off x="2522270" y="5687093"/>
-            <a:ext cx="705745" cy="237805"/>
+          <a:xfrm>
+            <a:off x="2574524" y="5889938"/>
+            <a:ext cx="624045" cy="0"/>
           </a:xfrm>
           <a:prstGeom prst="straightConnector1">
             <a:avLst/>
@@ -3732,8 +3734,8 @@
         </p:nvCxnSpPr>
         <p:spPr>
           <a:xfrm flipH="1">
-            <a:off x="8696005" y="1276478"/>
-            <a:ext cx="435721" cy="0"/>
+            <a:off x="7767380" y="1095323"/>
+            <a:ext cx="1135080" cy="0"/>
           </a:xfrm>
           <a:prstGeom prst="straightConnector1">
             <a:avLst/>
@@ -3776,7 +3778,7 @@
         </p:nvCxnSpPr>
         <p:spPr>
           <a:xfrm flipH="1">
-            <a:off x="8155958" y="4621095"/>
+            <a:off x="8199090" y="4897141"/>
             <a:ext cx="1024861" cy="0"/>
           </a:xfrm>
           <a:prstGeom prst="straightConnector1">
@@ -3857,7 +3859,7 @@
         </p:nvSpPr>
         <p:spPr>
           <a:xfrm>
-            <a:off x="1434936" y="5655139"/>
+            <a:off x="1487924" y="5422031"/>
             <a:ext cx="1139588" cy="646331"/>
           </a:xfrm>
           <a:prstGeom prst="rect">
@@ -3896,8 +3898,8 @@
         </p:nvSpPr>
         <p:spPr>
           <a:xfrm>
-            <a:off x="9131726" y="4159430"/>
-            <a:ext cx="1022986" cy="923330"/>
+            <a:off x="9189667" y="4714139"/>
+            <a:ext cx="1625277" cy="646331"/>
           </a:xfrm>
           <a:prstGeom prst="rect">
             <a:avLst/>
@@ -3916,7 +3918,7 @@
                 <a:latin typeface="Arial" panose="020B0604020202020204" pitchFamily="34" charset="0"/>
                 <a:cs typeface="Arial" panose="020B0604020202020204" pitchFamily="34" charset="0"/>
               </a:rPr>
-              <a:t>Time Point Slide</a:t>
+              <a:t>Time Series Slide</a:t>
             </a:r>
           </a:p>
         </p:txBody>
@@ -3935,8 +3937,8 @@
         </p:nvSpPr>
         <p:spPr>
           <a:xfrm>
-            <a:off x="9037366" y="953312"/>
-            <a:ext cx="1022986" cy="923330"/>
+            <a:off x="8833449" y="885925"/>
+            <a:ext cx="1599974" cy="646331"/>
           </a:xfrm>
           <a:prstGeom prst="rect">
             <a:avLst/>
@@ -3974,7 +3976,7 @@
         </p:nvSpPr>
         <p:spPr>
           <a:xfrm>
-            <a:off x="3608506" y="748435"/>
+            <a:off x="3596006" y="131433"/>
             <a:ext cx="1786066" cy="369332"/>
           </a:xfrm>
           <a:prstGeom prst="rect">
@@ -4010,9 +4012,9 @@
           <p:nvPr/>
         </p:nvCxnSpPr>
         <p:spPr>
-          <a:xfrm>
-            <a:off x="2574524" y="5113066"/>
-            <a:ext cx="705745" cy="0"/>
+          <a:xfrm flipH="1">
+            <a:off x="8403933" y="3717985"/>
+            <a:ext cx="820018" cy="575572"/>
           </a:xfrm>
           <a:prstGeom prst="straightConnector1">
             <a:avLst/>
@@ -4053,7 +4055,7 @@
         </p:nvSpPr>
         <p:spPr>
           <a:xfrm>
-            <a:off x="1689103" y="4794466"/>
+            <a:off x="9105983" y="3235147"/>
             <a:ext cx="1022986" cy="646331"/>
           </a:xfrm>
           <a:prstGeom prst="rect">
@@ -4084,6 +4086,99 @@
                 <a:cs typeface="Arial" panose="020B0604020202020204" pitchFamily="34" charset="0"/>
               </a:rPr>
               <a:t>Color</a:t>
+            </a:r>
+          </a:p>
+        </p:txBody>
+      </p:sp>
+      <p:cxnSp>
+        <p:nvCxnSpPr>
+          <p:cNvPr id="28" name="Straight Arrow Connector 27">
+            <a:extLst>
+              <a:ext uri="{FF2B5EF4-FFF2-40B4-BE49-F238E27FC236}">
+                <a16:creationId xmlns:a16="http://schemas.microsoft.com/office/drawing/2014/main" id="{373486C1-F9B3-4210-A01C-5A279485A7DB}"/>
+              </a:ext>
+            </a:extLst>
+          </p:cNvPr>
+          <p:cNvCxnSpPr>
+            <a:cxnSpLocks/>
+          </p:cNvCxnSpPr>
+          <p:nvPr/>
+        </p:nvCxnSpPr>
+        <p:spPr>
+          <a:xfrm flipH="1">
+            <a:off x="8465940" y="4307563"/>
+            <a:ext cx="758011" cy="256993"/>
+          </a:xfrm>
+          <a:prstGeom prst="straightConnector1">
+            <a:avLst/>
+          </a:prstGeom>
+          <a:ln w="57150">
+            <a:solidFill>
+              <a:srgbClr val="002060"/>
+            </a:solidFill>
+            <a:tailEnd type="triangle"/>
+          </a:ln>
+        </p:spPr>
+        <p:style>
+          <a:lnRef idx="1">
+            <a:schemeClr val="accent1"/>
+          </a:lnRef>
+          <a:fillRef idx="0">
+            <a:schemeClr val="accent1"/>
+          </a:fillRef>
+          <a:effectRef idx="0">
+            <a:schemeClr val="accent1"/>
+          </a:effectRef>
+          <a:fontRef idx="minor">
+            <a:schemeClr val="tx1"/>
+          </a:fontRef>
+        </p:style>
+      </p:cxnSp>
+      <p:sp>
+        <p:nvSpPr>
+          <p:cNvPr id="29" name="TextBox 28">
+            <a:extLst>
+              <a:ext uri="{FF2B5EF4-FFF2-40B4-BE49-F238E27FC236}">
+                <a16:creationId xmlns:a16="http://schemas.microsoft.com/office/drawing/2014/main" id="{7BA6888B-FA43-4086-BCC1-55B298310CEC}"/>
+              </a:ext>
+            </a:extLst>
+          </p:cNvPr>
+          <p:cNvSpPr txBox="1"/>
+          <p:nvPr/>
+        </p:nvSpPr>
+        <p:spPr>
+          <a:xfrm>
+            <a:off x="9230859" y="3984397"/>
+            <a:ext cx="1177552" cy="646331"/>
+          </a:xfrm>
+          <a:prstGeom prst="rect">
+            <a:avLst/>
+          </a:prstGeom>
+          <a:noFill/>
+        </p:spPr>
+        <p:txBody>
+          <a:bodyPr wrap="square" rtlCol="0">
+            <a:spAutoFit/>
+          </a:bodyPr>
+          <a:lstStyle/>
+          <a:p>
+            <a:pPr algn="ctr"/>
+            <a:r>
+              <a:rPr lang="en-US" b="1" dirty="0">
+                <a:latin typeface="Arial" panose="020B0604020202020204" pitchFamily="34" charset="0"/>
+                <a:cs typeface="Arial" panose="020B0604020202020204" pitchFamily="34" charset="0"/>
+              </a:rPr>
+              <a:t>ROI</a:t>
+            </a:r>
+          </a:p>
+          <a:p>
+            <a:pPr algn="ctr"/>
+            <a:r>
+              <a:rPr lang="en-US" b="1" dirty="0">
+                <a:latin typeface="Arial" panose="020B0604020202020204" pitchFamily="34" charset="0"/>
+                <a:cs typeface="Arial" panose="020B0604020202020204" pitchFamily="34" charset="0"/>
+              </a:rPr>
+              <a:t>Selector</a:t>
             </a:r>
           </a:p>
         </p:txBody>
@@ -4102,6 +4197,785 @@
 </file>
 
 <file path=ppt/slides/slide2.xml><?xml version="1.0" encoding="utf-8"?>
+<p:sld xmlns:a="http://schemas.openxmlformats.org/drawingml/2006/main" xmlns:r="http://schemas.openxmlformats.org/officeDocument/2006/relationships" xmlns:p="http://schemas.openxmlformats.org/presentationml/2006/main" show="0">
+  <p:cSld>
+    <p:spTree>
+      <p:nvGrpSpPr>
+        <p:cNvPr id="1" name=""/>
+        <p:cNvGrpSpPr/>
+        <p:nvPr/>
+      </p:nvGrpSpPr>
+      <p:grpSpPr>
+        <a:xfrm>
+          <a:off x="0" y="0"/>
+          <a:ext cx="0" cy="0"/>
+          <a:chOff x="0" y="0"/>
+          <a:chExt cx="0" cy="0"/>
+        </a:xfrm>
+      </p:grpSpPr>
+      <p:pic>
+        <p:nvPicPr>
+          <p:cNvPr id="2" name="Picture 1">
+            <a:extLst>
+              <a:ext uri="{FF2B5EF4-FFF2-40B4-BE49-F238E27FC236}">
+                <a16:creationId xmlns:a16="http://schemas.microsoft.com/office/drawing/2014/main" id="{AE597AAF-7F7B-4CA2-8195-63B410864824}"/>
+              </a:ext>
+            </a:extLst>
+          </p:cNvPr>
+          <p:cNvPicPr>
+            <a:picLocks noChangeAspect="1"/>
+          </p:cNvPicPr>
+          <p:nvPr/>
+        </p:nvPicPr>
+        <p:blipFill rotWithShape="1">
+          <a:blip r:embed="rId2"/>
+          <a:srcRect t="9907" r="53794"/>
+          <a:stretch/>
+        </p:blipFill>
+        <p:spPr>
+          <a:xfrm>
+            <a:off x="3225060" y="1016832"/>
+            <a:ext cx="5581434" cy="5278249"/>
+          </a:xfrm>
+          <a:prstGeom prst="rect">
+            <a:avLst/>
+          </a:prstGeom>
+        </p:spPr>
+      </p:pic>
+      <p:sp>
+        <p:nvSpPr>
+          <p:cNvPr id="6" name="Rectangle 5">
+            <a:extLst>
+              <a:ext uri="{FF2B5EF4-FFF2-40B4-BE49-F238E27FC236}">
+                <a16:creationId xmlns:a16="http://schemas.microsoft.com/office/drawing/2014/main" id="{AC7F9C1D-011A-424B-81A9-FD666C8C9C74}"/>
+              </a:ext>
+            </a:extLst>
+          </p:cNvPr>
+          <p:cNvSpPr/>
+          <p:nvPr/>
+        </p:nvSpPr>
+        <p:spPr>
+          <a:xfrm>
+            <a:off x="5443442" y="1080097"/>
+            <a:ext cx="3252563" cy="392762"/>
+          </a:xfrm>
+          <a:prstGeom prst="rect">
+            <a:avLst/>
+          </a:prstGeom>
+          <a:noFill/>
+          <a:ln w="57150">
+            <a:solidFill>
+              <a:srgbClr val="66FF33"/>
+            </a:solidFill>
+          </a:ln>
+        </p:spPr>
+        <p:style>
+          <a:lnRef idx="2">
+            <a:schemeClr val="accent1">
+              <a:shade val="50000"/>
+            </a:schemeClr>
+          </a:lnRef>
+          <a:fillRef idx="1">
+            <a:schemeClr val="accent1"/>
+          </a:fillRef>
+          <a:effectRef idx="0">
+            <a:schemeClr val="accent1"/>
+          </a:effectRef>
+          <a:fontRef idx="minor">
+            <a:schemeClr val="lt1"/>
+          </a:fontRef>
+        </p:style>
+        <p:txBody>
+          <a:bodyPr rtlCol="0" anchor="ctr"/>
+          <a:lstStyle/>
+          <a:p>
+            <a:pPr algn="ctr"/>
+            <a:endParaRPr lang="en-US"/>
+          </a:p>
+        </p:txBody>
+      </p:sp>
+      <p:sp>
+        <p:nvSpPr>
+          <p:cNvPr id="7" name="Rectangle 6">
+            <a:extLst>
+              <a:ext uri="{FF2B5EF4-FFF2-40B4-BE49-F238E27FC236}">
+                <a16:creationId xmlns:a16="http://schemas.microsoft.com/office/drawing/2014/main" id="{7ED5C11F-D888-4708-BDBD-EE6205CE8640}"/>
+              </a:ext>
+            </a:extLst>
+          </p:cNvPr>
+          <p:cNvSpPr/>
+          <p:nvPr/>
+        </p:nvSpPr>
+        <p:spPr>
+          <a:xfrm>
+            <a:off x="7646594" y="1515817"/>
+            <a:ext cx="509364" cy="4007404"/>
+          </a:xfrm>
+          <a:prstGeom prst="rect">
+            <a:avLst/>
+          </a:prstGeom>
+          <a:noFill/>
+          <a:ln w="57150">
+            <a:solidFill>
+              <a:srgbClr val="00B0F0"/>
+            </a:solidFill>
+          </a:ln>
+        </p:spPr>
+        <p:style>
+          <a:lnRef idx="2">
+            <a:schemeClr val="accent1">
+              <a:shade val="50000"/>
+            </a:schemeClr>
+          </a:lnRef>
+          <a:fillRef idx="1">
+            <a:schemeClr val="accent1"/>
+          </a:fillRef>
+          <a:effectRef idx="0">
+            <a:schemeClr val="accent1"/>
+          </a:effectRef>
+          <a:fontRef idx="minor">
+            <a:schemeClr val="lt1"/>
+          </a:fontRef>
+        </p:style>
+        <p:txBody>
+          <a:bodyPr rtlCol="0" anchor="ctr"/>
+          <a:lstStyle/>
+          <a:p>
+            <a:pPr algn="ctr"/>
+            <a:endParaRPr lang="en-US"/>
+          </a:p>
+        </p:txBody>
+      </p:sp>
+      <p:sp>
+        <p:nvSpPr>
+          <p:cNvPr id="8" name="Rectangle 7">
+            <a:extLst>
+              <a:ext uri="{FF2B5EF4-FFF2-40B4-BE49-F238E27FC236}">
+                <a16:creationId xmlns:a16="http://schemas.microsoft.com/office/drawing/2014/main" id="{61D0BD49-8824-4343-B57F-AC0366AFEC57}"/>
+              </a:ext>
+            </a:extLst>
+          </p:cNvPr>
+          <p:cNvSpPr/>
+          <p:nvPr/>
+        </p:nvSpPr>
+        <p:spPr>
+          <a:xfrm>
+            <a:off x="3228016" y="1587925"/>
+            <a:ext cx="380490" cy="3438207"/>
+          </a:xfrm>
+          <a:prstGeom prst="rect">
+            <a:avLst/>
+          </a:prstGeom>
+          <a:noFill/>
+          <a:ln w="57150">
+            <a:solidFill>
+              <a:srgbClr val="FF0000"/>
+            </a:solidFill>
+          </a:ln>
+        </p:spPr>
+        <p:style>
+          <a:lnRef idx="2">
+            <a:schemeClr val="accent1">
+              <a:shade val="50000"/>
+            </a:schemeClr>
+          </a:lnRef>
+          <a:fillRef idx="1">
+            <a:schemeClr val="accent1"/>
+          </a:fillRef>
+          <a:effectRef idx="0">
+            <a:schemeClr val="accent1"/>
+          </a:effectRef>
+          <a:fontRef idx="minor">
+            <a:schemeClr val="lt1"/>
+          </a:fontRef>
+        </p:style>
+        <p:txBody>
+          <a:bodyPr rtlCol="0" anchor="ctr"/>
+          <a:lstStyle/>
+          <a:p>
+            <a:pPr algn="ctr"/>
+            <a:endParaRPr lang="en-US"/>
+          </a:p>
+        </p:txBody>
+      </p:sp>
+      <p:sp>
+        <p:nvSpPr>
+          <p:cNvPr id="9" name="Rectangle 8">
+            <a:extLst>
+              <a:ext uri="{FF2B5EF4-FFF2-40B4-BE49-F238E27FC236}">
+                <a16:creationId xmlns:a16="http://schemas.microsoft.com/office/drawing/2014/main" id="{3B25E910-B77A-4583-AFA3-6A062E91DE5E}"/>
+              </a:ext>
+            </a:extLst>
+          </p:cNvPr>
+          <p:cNvSpPr/>
+          <p:nvPr/>
+        </p:nvSpPr>
+        <p:spPr>
+          <a:xfrm>
+            <a:off x="3528725" y="1080097"/>
+            <a:ext cx="1853347" cy="392762"/>
+          </a:xfrm>
+          <a:prstGeom prst="rect">
+            <a:avLst/>
+          </a:prstGeom>
+          <a:noFill/>
+          <a:ln w="57150">
+            <a:solidFill>
+              <a:srgbClr val="FFC000"/>
+            </a:solidFill>
+          </a:ln>
+        </p:spPr>
+        <p:style>
+          <a:lnRef idx="2">
+            <a:schemeClr val="accent1">
+              <a:shade val="50000"/>
+            </a:schemeClr>
+          </a:lnRef>
+          <a:fillRef idx="1">
+            <a:schemeClr val="accent1"/>
+          </a:fillRef>
+          <a:effectRef idx="0">
+            <a:schemeClr val="accent1"/>
+          </a:effectRef>
+          <a:fontRef idx="minor">
+            <a:schemeClr val="lt1"/>
+          </a:fontRef>
+        </p:style>
+        <p:txBody>
+          <a:bodyPr rtlCol="0" anchor="ctr"/>
+          <a:lstStyle/>
+          <a:p>
+            <a:pPr algn="ctr"/>
+            <a:endParaRPr lang="en-US"/>
+          </a:p>
+        </p:txBody>
+      </p:sp>
+      <p:sp>
+        <p:nvSpPr>
+          <p:cNvPr id="10" name="Rectangle 9">
+            <a:extLst>
+              <a:ext uri="{FF2B5EF4-FFF2-40B4-BE49-F238E27FC236}">
+                <a16:creationId xmlns:a16="http://schemas.microsoft.com/office/drawing/2014/main" id="{B1E1ABAC-B24C-4C5B-9CCD-C09A09309558}"/>
+              </a:ext>
+            </a:extLst>
+          </p:cNvPr>
+          <p:cNvSpPr/>
+          <p:nvPr/>
+        </p:nvSpPr>
+        <p:spPr>
+          <a:xfrm>
+            <a:off x="3228016" y="5467989"/>
+            <a:ext cx="1116918" cy="231377"/>
+          </a:xfrm>
+          <a:prstGeom prst="rect">
+            <a:avLst/>
+          </a:prstGeom>
+          <a:noFill/>
+          <a:ln w="57150">
+            <a:solidFill>
+              <a:srgbClr val="CC66FF"/>
+            </a:solidFill>
+          </a:ln>
+        </p:spPr>
+        <p:style>
+          <a:lnRef idx="2">
+            <a:schemeClr val="accent1">
+              <a:shade val="50000"/>
+            </a:schemeClr>
+          </a:lnRef>
+          <a:fillRef idx="1">
+            <a:schemeClr val="accent1"/>
+          </a:fillRef>
+          <a:effectRef idx="0">
+            <a:schemeClr val="accent1"/>
+          </a:effectRef>
+          <a:fontRef idx="minor">
+            <a:schemeClr val="lt1"/>
+          </a:fontRef>
+        </p:style>
+        <p:txBody>
+          <a:bodyPr rtlCol="0" anchor="ctr"/>
+          <a:lstStyle/>
+          <a:p>
+            <a:pPr algn="ctr"/>
+            <a:endParaRPr lang="en-US"/>
+          </a:p>
+        </p:txBody>
+      </p:sp>
+      <p:cxnSp>
+        <p:nvCxnSpPr>
+          <p:cNvPr id="13" name="Straight Arrow Connector 12">
+            <a:extLst>
+              <a:ext uri="{FF2B5EF4-FFF2-40B4-BE49-F238E27FC236}">
+                <a16:creationId xmlns:a16="http://schemas.microsoft.com/office/drawing/2014/main" id="{A6FA72C1-D77C-493F-864E-350E1A1ED1F7}"/>
+              </a:ext>
+            </a:extLst>
+          </p:cNvPr>
+          <p:cNvCxnSpPr>
+            <a:cxnSpLocks/>
+          </p:cNvCxnSpPr>
+          <p:nvPr/>
+        </p:nvCxnSpPr>
+        <p:spPr>
+          <a:xfrm>
+            <a:off x="2522271" y="3191195"/>
+            <a:ext cx="705745" cy="0"/>
+          </a:xfrm>
+          <a:prstGeom prst="straightConnector1">
+            <a:avLst/>
+          </a:prstGeom>
+          <a:ln w="57150">
+            <a:solidFill>
+              <a:srgbClr val="FF0000"/>
+            </a:solidFill>
+            <a:tailEnd type="triangle"/>
+          </a:ln>
+        </p:spPr>
+        <p:style>
+          <a:lnRef idx="1">
+            <a:schemeClr val="accent1"/>
+          </a:lnRef>
+          <a:fillRef idx="0">
+            <a:schemeClr val="accent1"/>
+          </a:fillRef>
+          <a:effectRef idx="0">
+            <a:schemeClr val="accent1"/>
+          </a:effectRef>
+          <a:fontRef idx="minor">
+            <a:schemeClr val="tx1"/>
+          </a:fontRef>
+        </p:style>
+      </p:cxnSp>
+      <p:cxnSp>
+        <p:nvCxnSpPr>
+          <p:cNvPr id="15" name="Straight Arrow Connector 14">
+            <a:extLst>
+              <a:ext uri="{FF2B5EF4-FFF2-40B4-BE49-F238E27FC236}">
+                <a16:creationId xmlns:a16="http://schemas.microsoft.com/office/drawing/2014/main" id="{8464E1D9-E23B-4874-96DB-9E2D4D6C9E40}"/>
+              </a:ext>
+            </a:extLst>
+          </p:cNvPr>
+          <p:cNvCxnSpPr>
+            <a:cxnSpLocks/>
+          </p:cNvCxnSpPr>
+          <p:nvPr/>
+        </p:nvCxnSpPr>
+        <p:spPr>
+          <a:xfrm flipV="1">
+            <a:off x="2522270" y="5687093"/>
+            <a:ext cx="705745" cy="237805"/>
+          </a:xfrm>
+          <a:prstGeom prst="straightConnector1">
+            <a:avLst/>
+          </a:prstGeom>
+          <a:ln w="57150">
+            <a:solidFill>
+              <a:srgbClr val="CC66FF"/>
+            </a:solidFill>
+            <a:tailEnd type="triangle"/>
+          </a:ln>
+        </p:spPr>
+        <p:style>
+          <a:lnRef idx="1">
+            <a:schemeClr val="accent1"/>
+          </a:lnRef>
+          <a:fillRef idx="0">
+            <a:schemeClr val="accent1"/>
+          </a:fillRef>
+          <a:effectRef idx="0">
+            <a:schemeClr val="accent1"/>
+          </a:effectRef>
+          <a:fontRef idx="minor">
+            <a:schemeClr val="tx1"/>
+          </a:fontRef>
+        </p:style>
+      </p:cxnSp>
+      <p:cxnSp>
+        <p:nvCxnSpPr>
+          <p:cNvPr id="17" name="Straight Arrow Connector 16">
+            <a:extLst>
+              <a:ext uri="{FF2B5EF4-FFF2-40B4-BE49-F238E27FC236}">
+                <a16:creationId xmlns:a16="http://schemas.microsoft.com/office/drawing/2014/main" id="{3C77F657-953C-420A-9772-C90BA64D7B1E}"/>
+              </a:ext>
+            </a:extLst>
+          </p:cNvPr>
+          <p:cNvCxnSpPr>
+            <a:cxnSpLocks/>
+          </p:cNvCxnSpPr>
+          <p:nvPr/>
+        </p:nvCxnSpPr>
+        <p:spPr>
+          <a:xfrm flipH="1">
+            <a:off x="8696005" y="1276478"/>
+            <a:ext cx="435721" cy="0"/>
+          </a:xfrm>
+          <a:prstGeom prst="straightConnector1">
+            <a:avLst/>
+          </a:prstGeom>
+          <a:ln w="57150">
+            <a:solidFill>
+              <a:srgbClr val="66FF33"/>
+            </a:solidFill>
+            <a:tailEnd type="triangle"/>
+          </a:ln>
+        </p:spPr>
+        <p:style>
+          <a:lnRef idx="1">
+            <a:schemeClr val="accent1"/>
+          </a:lnRef>
+          <a:fillRef idx="0">
+            <a:schemeClr val="accent1"/>
+          </a:fillRef>
+          <a:effectRef idx="0">
+            <a:schemeClr val="accent1"/>
+          </a:effectRef>
+          <a:fontRef idx="minor">
+            <a:schemeClr val="tx1"/>
+          </a:fontRef>
+        </p:style>
+      </p:cxnSp>
+      <p:cxnSp>
+        <p:nvCxnSpPr>
+          <p:cNvPr id="19" name="Straight Arrow Connector 18">
+            <a:extLst>
+              <a:ext uri="{FF2B5EF4-FFF2-40B4-BE49-F238E27FC236}">
+                <a16:creationId xmlns:a16="http://schemas.microsoft.com/office/drawing/2014/main" id="{4645623E-4732-4613-8999-8594B937EC9B}"/>
+              </a:ext>
+            </a:extLst>
+          </p:cNvPr>
+          <p:cNvCxnSpPr>
+            <a:cxnSpLocks/>
+          </p:cNvCxnSpPr>
+          <p:nvPr/>
+        </p:nvCxnSpPr>
+        <p:spPr>
+          <a:xfrm flipH="1">
+            <a:off x="8155958" y="4621095"/>
+            <a:ext cx="1024861" cy="0"/>
+          </a:xfrm>
+          <a:prstGeom prst="straightConnector1">
+            <a:avLst/>
+          </a:prstGeom>
+          <a:ln w="57150">
+            <a:solidFill>
+              <a:srgbClr val="00B0F0"/>
+            </a:solidFill>
+            <a:tailEnd type="triangle"/>
+          </a:ln>
+        </p:spPr>
+        <p:style>
+          <a:lnRef idx="1">
+            <a:schemeClr val="accent1"/>
+          </a:lnRef>
+          <a:fillRef idx="0">
+            <a:schemeClr val="accent1"/>
+          </a:fillRef>
+          <a:effectRef idx="0">
+            <a:schemeClr val="accent1"/>
+          </a:effectRef>
+          <a:fontRef idx="minor">
+            <a:schemeClr val="tx1"/>
+          </a:fontRef>
+        </p:style>
+      </p:cxnSp>
+      <p:sp>
+        <p:nvSpPr>
+          <p:cNvPr id="21" name="TextBox 20">
+            <a:extLst>
+              <a:ext uri="{FF2B5EF4-FFF2-40B4-BE49-F238E27FC236}">
+                <a16:creationId xmlns:a16="http://schemas.microsoft.com/office/drawing/2014/main" id="{E2B5C22B-F127-4741-8DF2-E29755D13B21}"/>
+              </a:ext>
+            </a:extLst>
+          </p:cNvPr>
+          <p:cNvSpPr txBox="1"/>
+          <p:nvPr/>
+        </p:nvSpPr>
+        <p:spPr>
+          <a:xfrm>
+            <a:off x="1551538" y="2884904"/>
+            <a:ext cx="1022986" cy="646331"/>
+          </a:xfrm>
+          <a:prstGeom prst="rect">
+            <a:avLst/>
+          </a:prstGeom>
+          <a:noFill/>
+        </p:spPr>
+        <p:txBody>
+          <a:bodyPr wrap="square" rtlCol="0">
+            <a:spAutoFit/>
+          </a:bodyPr>
+          <a:lstStyle/>
+          <a:p>
+            <a:pPr algn="ctr"/>
+            <a:r>
+              <a:rPr lang="en-US" b="1" dirty="0">
+                <a:latin typeface="Arial" panose="020B0604020202020204" pitchFamily="34" charset="0"/>
+                <a:cs typeface="Arial" panose="020B0604020202020204" pitchFamily="34" charset="0"/>
+              </a:rPr>
+              <a:t>Tool Palette</a:t>
+            </a:r>
+          </a:p>
+        </p:txBody>
+      </p:sp>
+      <p:sp>
+        <p:nvSpPr>
+          <p:cNvPr id="23" name="TextBox 22">
+            <a:extLst>
+              <a:ext uri="{FF2B5EF4-FFF2-40B4-BE49-F238E27FC236}">
+                <a16:creationId xmlns:a16="http://schemas.microsoft.com/office/drawing/2014/main" id="{4321B6DE-5B51-4E8B-9F35-D2391C23B376}"/>
+              </a:ext>
+            </a:extLst>
+          </p:cNvPr>
+          <p:cNvSpPr txBox="1"/>
+          <p:nvPr/>
+        </p:nvSpPr>
+        <p:spPr>
+          <a:xfrm>
+            <a:off x="1434936" y="5655139"/>
+            <a:ext cx="1139588" cy="646331"/>
+          </a:xfrm>
+          <a:prstGeom prst="rect">
+            <a:avLst/>
+          </a:prstGeom>
+          <a:noFill/>
+        </p:spPr>
+        <p:txBody>
+          <a:bodyPr wrap="square" rtlCol="0">
+            <a:spAutoFit/>
+          </a:bodyPr>
+          <a:lstStyle/>
+          <a:p>
+            <a:pPr algn="ctr"/>
+            <a:r>
+              <a:rPr lang="en-US" b="1" dirty="0">
+                <a:latin typeface="Arial" panose="020B0604020202020204" pitchFamily="34" charset="0"/>
+                <a:cs typeface="Arial" panose="020B0604020202020204" pitchFamily="34" charset="0"/>
+              </a:rPr>
+              <a:t>Image Selector</a:t>
+            </a:r>
+          </a:p>
+        </p:txBody>
+      </p:sp>
+      <p:sp>
+        <p:nvSpPr>
+          <p:cNvPr id="25" name="TextBox 24">
+            <a:extLst>
+              <a:ext uri="{FF2B5EF4-FFF2-40B4-BE49-F238E27FC236}">
+                <a16:creationId xmlns:a16="http://schemas.microsoft.com/office/drawing/2014/main" id="{52D8697E-06B0-46E7-927F-CAA89AE1A8AC}"/>
+              </a:ext>
+            </a:extLst>
+          </p:cNvPr>
+          <p:cNvSpPr txBox="1"/>
+          <p:nvPr/>
+        </p:nvSpPr>
+        <p:spPr>
+          <a:xfrm>
+            <a:off x="9131726" y="4159430"/>
+            <a:ext cx="1022986" cy="923330"/>
+          </a:xfrm>
+          <a:prstGeom prst="rect">
+            <a:avLst/>
+          </a:prstGeom>
+          <a:noFill/>
+        </p:spPr>
+        <p:txBody>
+          <a:bodyPr wrap="square" rtlCol="0">
+            <a:spAutoFit/>
+          </a:bodyPr>
+          <a:lstStyle/>
+          <a:p>
+            <a:pPr algn="ctr"/>
+            <a:r>
+              <a:rPr lang="en-US" b="1" dirty="0">
+                <a:latin typeface="Arial" panose="020B0604020202020204" pitchFamily="34" charset="0"/>
+                <a:cs typeface="Arial" panose="020B0604020202020204" pitchFamily="34" charset="0"/>
+              </a:rPr>
+              <a:t>Time Point Slide</a:t>
+            </a:r>
+          </a:p>
+        </p:txBody>
+      </p:sp>
+      <p:sp>
+        <p:nvSpPr>
+          <p:cNvPr id="26" name="TextBox 25">
+            <a:extLst>
+              <a:ext uri="{FF2B5EF4-FFF2-40B4-BE49-F238E27FC236}">
+                <a16:creationId xmlns:a16="http://schemas.microsoft.com/office/drawing/2014/main" id="{2C4B9F32-1F5C-46C2-8965-59E1E02C0190}"/>
+              </a:ext>
+            </a:extLst>
+          </p:cNvPr>
+          <p:cNvSpPr txBox="1"/>
+          <p:nvPr/>
+        </p:nvSpPr>
+        <p:spPr>
+          <a:xfrm>
+            <a:off x="9037366" y="953312"/>
+            <a:ext cx="1022986" cy="923330"/>
+          </a:xfrm>
+          <a:prstGeom prst="rect">
+            <a:avLst/>
+          </a:prstGeom>
+          <a:noFill/>
+        </p:spPr>
+        <p:txBody>
+          <a:bodyPr wrap="square" rtlCol="0">
+            <a:spAutoFit/>
+          </a:bodyPr>
+          <a:lstStyle/>
+          <a:p>
+            <a:pPr algn="ctr"/>
+            <a:r>
+              <a:rPr lang="en-US" b="1" dirty="0">
+                <a:latin typeface="Arial" panose="020B0604020202020204" pitchFamily="34" charset="0"/>
+                <a:cs typeface="Arial" panose="020B0604020202020204" pitchFamily="34" charset="0"/>
+              </a:rPr>
+              <a:t>Gate Image Slide</a:t>
+            </a:r>
+          </a:p>
+        </p:txBody>
+      </p:sp>
+      <p:sp>
+        <p:nvSpPr>
+          <p:cNvPr id="27" name="TextBox 26">
+            <a:extLst>
+              <a:ext uri="{FF2B5EF4-FFF2-40B4-BE49-F238E27FC236}">
+                <a16:creationId xmlns:a16="http://schemas.microsoft.com/office/drawing/2014/main" id="{BACA407E-9575-4A41-9E7A-4A78F6576C68}"/>
+              </a:ext>
+            </a:extLst>
+          </p:cNvPr>
+          <p:cNvSpPr txBox="1"/>
+          <p:nvPr/>
+        </p:nvSpPr>
+        <p:spPr>
+          <a:xfrm>
+            <a:off x="3608506" y="748435"/>
+            <a:ext cx="1786066" cy="369332"/>
+          </a:xfrm>
+          <a:prstGeom prst="rect">
+            <a:avLst/>
+          </a:prstGeom>
+          <a:noFill/>
+        </p:spPr>
+        <p:txBody>
+          <a:bodyPr wrap="none" rtlCol="0">
+            <a:spAutoFit/>
+          </a:bodyPr>
+          <a:lstStyle/>
+          <a:p>
+            <a:r>
+              <a:rPr lang="en-US" dirty="0"/>
+              <a:t>1    2   3   4   5    6</a:t>
+            </a:r>
+          </a:p>
+        </p:txBody>
+      </p:sp>
+      <p:cxnSp>
+        <p:nvCxnSpPr>
+          <p:cNvPr id="18" name="Straight Arrow Connector 17">
+            <a:extLst>
+              <a:ext uri="{FF2B5EF4-FFF2-40B4-BE49-F238E27FC236}">
+                <a16:creationId xmlns:a16="http://schemas.microsoft.com/office/drawing/2014/main" id="{12EC29A9-1DD0-4182-B384-62EAB2E1A300}"/>
+              </a:ext>
+            </a:extLst>
+          </p:cNvPr>
+          <p:cNvCxnSpPr>
+            <a:cxnSpLocks/>
+          </p:cNvCxnSpPr>
+          <p:nvPr/>
+        </p:nvCxnSpPr>
+        <p:spPr>
+          <a:xfrm>
+            <a:off x="2574524" y="5113066"/>
+            <a:ext cx="705745" cy="0"/>
+          </a:xfrm>
+          <a:prstGeom prst="straightConnector1">
+            <a:avLst/>
+          </a:prstGeom>
+          <a:ln w="57150">
+            <a:solidFill>
+              <a:srgbClr val="002060"/>
+            </a:solidFill>
+            <a:tailEnd type="triangle"/>
+          </a:ln>
+        </p:spPr>
+        <p:style>
+          <a:lnRef idx="1">
+            <a:schemeClr val="accent1"/>
+          </a:lnRef>
+          <a:fillRef idx="0">
+            <a:schemeClr val="accent1"/>
+          </a:fillRef>
+          <a:effectRef idx="0">
+            <a:schemeClr val="accent1"/>
+          </a:effectRef>
+          <a:fontRef idx="minor">
+            <a:schemeClr val="tx1"/>
+          </a:fontRef>
+        </p:style>
+      </p:cxnSp>
+      <p:sp>
+        <p:nvSpPr>
+          <p:cNvPr id="20" name="TextBox 19">
+            <a:extLst>
+              <a:ext uri="{FF2B5EF4-FFF2-40B4-BE49-F238E27FC236}">
+                <a16:creationId xmlns:a16="http://schemas.microsoft.com/office/drawing/2014/main" id="{AB80340F-2987-4BE2-9ECD-1FDCC0149D40}"/>
+              </a:ext>
+            </a:extLst>
+          </p:cNvPr>
+          <p:cNvSpPr txBox="1"/>
+          <p:nvPr/>
+        </p:nvSpPr>
+        <p:spPr>
+          <a:xfrm>
+            <a:off x="1689103" y="4794466"/>
+            <a:ext cx="1022986" cy="646331"/>
+          </a:xfrm>
+          <a:prstGeom prst="rect">
+            <a:avLst/>
+          </a:prstGeom>
+          <a:noFill/>
+        </p:spPr>
+        <p:txBody>
+          <a:bodyPr wrap="square" rtlCol="0">
+            <a:spAutoFit/>
+          </a:bodyPr>
+          <a:lstStyle/>
+          <a:p>
+            <a:pPr algn="ctr"/>
+            <a:r>
+              <a:rPr lang="en-US" b="1" dirty="0">
+                <a:latin typeface="Arial" panose="020B0604020202020204" pitchFamily="34" charset="0"/>
+                <a:cs typeface="Arial" panose="020B0604020202020204" pitchFamily="34" charset="0"/>
+              </a:rPr>
+              <a:t>ROI</a:t>
+            </a:r>
+          </a:p>
+          <a:p>
+            <a:pPr algn="ctr"/>
+            <a:r>
+              <a:rPr lang="en-US" b="1" dirty="0">
+                <a:latin typeface="Arial" panose="020B0604020202020204" pitchFamily="34" charset="0"/>
+                <a:cs typeface="Arial" panose="020B0604020202020204" pitchFamily="34" charset="0"/>
+              </a:rPr>
+              <a:t>Color</a:t>
+            </a:r>
+          </a:p>
+        </p:txBody>
+      </p:sp>
+    </p:spTree>
+    <p:extLst>
+      <p:ext uri="{BB962C8B-B14F-4D97-AF65-F5344CB8AC3E}">
+        <p14:creationId xmlns:p14="http://schemas.microsoft.com/office/powerpoint/2010/main" val="2739312600"/>
+      </p:ext>
+    </p:extLst>
+  </p:cSld>
+  <p:clrMapOvr>
+    <a:masterClrMapping/>
+  </p:clrMapOvr>
+</p:sld>
+</file>
+
+<file path=ppt/slides/slide3.xml><?xml version="1.0" encoding="utf-8"?>
 <p:sld xmlns:a="http://schemas.openxmlformats.org/drawingml/2006/main" xmlns:r="http://schemas.openxmlformats.org/officeDocument/2006/relationships" xmlns:p="http://schemas.openxmlformats.org/presentationml/2006/main">
   <p:cSld>
     <p:spTree>
@@ -5099,7 +5973,7 @@
 </p:sld>
 </file>
 
-<file path=ppt/slides/slide3.xml><?xml version="1.0" encoding="utf-8"?>
+<file path=ppt/slides/slide4.xml><?xml version="1.0" encoding="utf-8"?>
 <p:sld xmlns:a="http://schemas.openxmlformats.org/drawingml/2006/main" xmlns:r="http://schemas.openxmlformats.org/officeDocument/2006/relationships" xmlns:p="http://schemas.openxmlformats.org/presentationml/2006/main">
   <p:cSld>
     <p:spTree>

--- a/docs/source/images/AlliGator Manual Edited Images.pptx
+++ b/docs/source/images/AlliGator Manual Edited Images.pptx
@@ -9,6 +9,8 @@
     <p:sldId id="259" r:id="rId3"/>
     <p:sldId id="257" r:id="rId4"/>
     <p:sldId id="258" r:id="rId5"/>
+    <p:sldId id="260" r:id="rId6"/>
+    <p:sldId id="261" r:id="rId7"/>
   </p:sldIdLst>
   <p:sldSz cx="12192000" cy="6858000"/>
   <p:notesSz cx="6858000" cy="9144000"/>
@@ -273,7 +275,7 @@
           <a:p>
             <a:fld id="{1E297A4B-42C7-40B1-84E8-164C91E6D4AB}" type="datetimeFigureOut">
               <a:rPr lang="en-US" smtClean="0"/>
-              <a:t>8/20/2024</a:t>
+              <a:t>10/15/2024</a:t>
             </a:fld>
             <a:endParaRPr lang="en-US"/>
           </a:p>
@@ -471,7 +473,7 @@
           <a:p>
             <a:fld id="{1E297A4B-42C7-40B1-84E8-164C91E6D4AB}" type="datetimeFigureOut">
               <a:rPr lang="en-US" smtClean="0"/>
-              <a:t>8/20/2024</a:t>
+              <a:t>10/15/2024</a:t>
             </a:fld>
             <a:endParaRPr lang="en-US"/>
           </a:p>
@@ -679,7 +681,7 @@
           <a:p>
             <a:fld id="{1E297A4B-42C7-40B1-84E8-164C91E6D4AB}" type="datetimeFigureOut">
               <a:rPr lang="en-US" smtClean="0"/>
-              <a:t>8/20/2024</a:t>
+              <a:t>10/15/2024</a:t>
             </a:fld>
             <a:endParaRPr lang="en-US"/>
           </a:p>
@@ -877,7 +879,7 @@
           <a:p>
             <a:fld id="{1E297A4B-42C7-40B1-84E8-164C91E6D4AB}" type="datetimeFigureOut">
               <a:rPr lang="en-US" smtClean="0"/>
-              <a:t>8/20/2024</a:t>
+              <a:t>10/15/2024</a:t>
             </a:fld>
             <a:endParaRPr lang="en-US"/>
           </a:p>
@@ -1152,7 +1154,7 @@
           <a:p>
             <a:fld id="{1E297A4B-42C7-40B1-84E8-164C91E6D4AB}" type="datetimeFigureOut">
               <a:rPr lang="en-US" smtClean="0"/>
-              <a:t>8/20/2024</a:t>
+              <a:t>10/15/2024</a:t>
             </a:fld>
             <a:endParaRPr lang="en-US"/>
           </a:p>
@@ -1417,7 +1419,7 @@
           <a:p>
             <a:fld id="{1E297A4B-42C7-40B1-84E8-164C91E6D4AB}" type="datetimeFigureOut">
               <a:rPr lang="en-US" smtClean="0"/>
-              <a:t>8/20/2024</a:t>
+              <a:t>10/15/2024</a:t>
             </a:fld>
             <a:endParaRPr lang="en-US"/>
           </a:p>
@@ -1829,7 +1831,7 @@
           <a:p>
             <a:fld id="{1E297A4B-42C7-40B1-84E8-164C91E6D4AB}" type="datetimeFigureOut">
               <a:rPr lang="en-US" smtClean="0"/>
-              <a:t>8/20/2024</a:t>
+              <a:t>10/15/2024</a:t>
             </a:fld>
             <a:endParaRPr lang="en-US"/>
           </a:p>
@@ -1970,7 +1972,7 @@
           <a:p>
             <a:fld id="{1E297A4B-42C7-40B1-84E8-164C91E6D4AB}" type="datetimeFigureOut">
               <a:rPr lang="en-US" smtClean="0"/>
-              <a:t>8/20/2024</a:t>
+              <a:t>10/15/2024</a:t>
             </a:fld>
             <a:endParaRPr lang="en-US"/>
           </a:p>
@@ -2083,7 +2085,7 @@
           <a:p>
             <a:fld id="{1E297A4B-42C7-40B1-84E8-164C91E6D4AB}" type="datetimeFigureOut">
               <a:rPr lang="en-US" smtClean="0"/>
-              <a:t>8/20/2024</a:t>
+              <a:t>10/15/2024</a:t>
             </a:fld>
             <a:endParaRPr lang="en-US"/>
           </a:p>
@@ -2394,7 +2396,7 @@
           <a:p>
             <a:fld id="{1E297A4B-42C7-40B1-84E8-164C91E6D4AB}" type="datetimeFigureOut">
               <a:rPr lang="en-US" smtClean="0"/>
-              <a:t>8/20/2024</a:t>
+              <a:t>10/15/2024</a:t>
             </a:fld>
             <a:endParaRPr lang="en-US"/>
           </a:p>
@@ -2682,7 +2684,7 @@
           <a:p>
             <a:fld id="{1E297A4B-42C7-40B1-84E8-164C91E6D4AB}" type="datetimeFigureOut">
               <a:rPr lang="en-US" smtClean="0"/>
-              <a:t>8/20/2024</a:t>
+              <a:t>10/15/2024</a:t>
             </a:fld>
             <a:endParaRPr lang="en-US"/>
           </a:p>
@@ -2923,7 +2925,7 @@
           <a:p>
             <a:fld id="{1E297A4B-42C7-40B1-84E8-164C91E6D4AB}" type="datetimeFigureOut">
               <a:rPr lang="en-US" smtClean="0"/>
-              <a:t>8/20/2024</a:t>
+              <a:t>10/15/2024</a:t>
             </a:fld>
             <a:endParaRPr lang="en-US"/>
           </a:p>
@@ -6090,6 +6092,552 @@
 </p:sld>
 </file>
 
+<file path=ppt/slides/slide5.xml><?xml version="1.0" encoding="utf-8"?>
+<p:sld xmlns:a="http://schemas.openxmlformats.org/drawingml/2006/main" xmlns:r="http://schemas.openxmlformats.org/officeDocument/2006/relationships" xmlns:p="http://schemas.openxmlformats.org/presentationml/2006/main">
+  <p:cSld>
+    <p:spTree>
+      <p:nvGrpSpPr>
+        <p:cNvPr id="1" name=""/>
+        <p:cNvGrpSpPr/>
+        <p:nvPr/>
+      </p:nvGrpSpPr>
+      <p:grpSpPr>
+        <a:xfrm>
+          <a:off x="0" y="0"/>
+          <a:ext cx="0" cy="0"/>
+          <a:chOff x="0" y="0"/>
+          <a:chExt cx="0" cy="0"/>
+        </a:xfrm>
+      </p:grpSpPr>
+      <p:pic>
+        <p:nvPicPr>
+          <p:cNvPr id="5" name="Picture 4">
+            <a:extLst>
+              <a:ext uri="{FF2B5EF4-FFF2-40B4-BE49-F238E27FC236}">
+                <a16:creationId xmlns:a16="http://schemas.microsoft.com/office/drawing/2014/main" id="{0BB11006-1049-486F-A022-E17348F86B51}"/>
+              </a:ext>
+            </a:extLst>
+          </p:cNvPr>
+          <p:cNvPicPr>
+            <a:picLocks noChangeAspect="1"/>
+          </p:cNvPicPr>
+          <p:nvPr/>
+        </p:nvPicPr>
+        <p:blipFill>
+          <a:blip r:embed="rId2">
+            <a:extLst>
+              <a:ext uri="{28A0092B-C50C-407E-A947-70E740481C1C}">
+                <a14:useLocalDpi xmlns:a14="http://schemas.microsoft.com/office/drawing/2010/main" val="0"/>
+              </a:ext>
+            </a:extLst>
+          </a:blip>
+          <a:stretch>
+            <a:fillRect/>
+          </a:stretch>
+        </p:blipFill>
+        <p:spPr>
+          <a:xfrm>
+            <a:off x="5238630" y="2228682"/>
+            <a:ext cx="1714739" cy="2400635"/>
+          </a:xfrm>
+          <a:prstGeom prst="rect">
+            <a:avLst/>
+          </a:prstGeom>
+        </p:spPr>
+      </p:pic>
+      <p:sp>
+        <p:nvSpPr>
+          <p:cNvPr id="6" name="Rectangle 5">
+            <a:extLst>
+              <a:ext uri="{FF2B5EF4-FFF2-40B4-BE49-F238E27FC236}">
+                <a16:creationId xmlns:a16="http://schemas.microsoft.com/office/drawing/2014/main" id="{50282FBB-5249-4927-A54C-974DF9D00838}"/>
+              </a:ext>
+            </a:extLst>
+          </p:cNvPr>
+          <p:cNvSpPr/>
+          <p:nvPr/>
+        </p:nvSpPr>
+        <p:spPr>
+          <a:xfrm>
+            <a:off x="5238630" y="2950234"/>
+            <a:ext cx="1714739" cy="181155"/>
+          </a:xfrm>
+          <a:prstGeom prst="rect">
+            <a:avLst/>
+          </a:prstGeom>
+          <a:noFill/>
+          <a:ln w="28575">
+            <a:solidFill>
+              <a:schemeClr val="tx1"/>
+            </a:solidFill>
+          </a:ln>
+        </p:spPr>
+        <p:style>
+          <a:lnRef idx="2">
+            <a:schemeClr val="accent1">
+              <a:shade val="50000"/>
+            </a:schemeClr>
+          </a:lnRef>
+          <a:fillRef idx="1">
+            <a:schemeClr val="accent1"/>
+          </a:fillRef>
+          <a:effectRef idx="0">
+            <a:schemeClr val="accent1"/>
+          </a:effectRef>
+          <a:fontRef idx="minor">
+            <a:schemeClr val="lt1"/>
+          </a:fontRef>
+        </p:style>
+        <p:txBody>
+          <a:bodyPr rtlCol="0" anchor="ctr"/>
+          <a:lstStyle/>
+          <a:p>
+            <a:pPr algn="ctr"/>
+            <a:endParaRPr lang="en-US"/>
+          </a:p>
+        </p:txBody>
+      </p:sp>
+      <p:sp>
+        <p:nvSpPr>
+          <p:cNvPr id="7" name="Rectangle 6">
+            <a:extLst>
+              <a:ext uri="{FF2B5EF4-FFF2-40B4-BE49-F238E27FC236}">
+                <a16:creationId xmlns:a16="http://schemas.microsoft.com/office/drawing/2014/main" id="{A84AC4AF-9ECE-4842-998A-AEE47A2A1904}"/>
+              </a:ext>
+            </a:extLst>
+          </p:cNvPr>
+          <p:cNvSpPr/>
+          <p:nvPr/>
+        </p:nvSpPr>
+        <p:spPr>
+          <a:xfrm>
+            <a:off x="5230002" y="3489385"/>
+            <a:ext cx="1714739" cy="181155"/>
+          </a:xfrm>
+          <a:prstGeom prst="rect">
+            <a:avLst/>
+          </a:prstGeom>
+          <a:noFill/>
+          <a:ln w="28575">
+            <a:solidFill>
+              <a:schemeClr val="tx1"/>
+            </a:solidFill>
+          </a:ln>
+        </p:spPr>
+        <p:style>
+          <a:lnRef idx="2">
+            <a:schemeClr val="accent1">
+              <a:shade val="50000"/>
+            </a:schemeClr>
+          </a:lnRef>
+          <a:fillRef idx="1">
+            <a:schemeClr val="accent1"/>
+          </a:fillRef>
+          <a:effectRef idx="0">
+            <a:schemeClr val="accent1"/>
+          </a:effectRef>
+          <a:fontRef idx="minor">
+            <a:schemeClr val="lt1"/>
+          </a:fontRef>
+        </p:style>
+        <p:txBody>
+          <a:bodyPr rtlCol="0" anchor="ctr"/>
+          <a:lstStyle/>
+          <a:p>
+            <a:pPr algn="ctr"/>
+            <a:endParaRPr lang="en-US"/>
+          </a:p>
+        </p:txBody>
+      </p:sp>
+      <p:sp>
+        <p:nvSpPr>
+          <p:cNvPr id="8" name="Rectangle 7">
+            <a:extLst>
+              <a:ext uri="{FF2B5EF4-FFF2-40B4-BE49-F238E27FC236}">
+                <a16:creationId xmlns:a16="http://schemas.microsoft.com/office/drawing/2014/main" id="{6F391FD7-6E28-49FA-A6B1-378A43DB3B30}"/>
+              </a:ext>
+            </a:extLst>
+          </p:cNvPr>
+          <p:cNvSpPr/>
+          <p:nvPr/>
+        </p:nvSpPr>
+        <p:spPr>
+          <a:xfrm>
+            <a:off x="5230001" y="3852941"/>
+            <a:ext cx="1714739" cy="181155"/>
+          </a:xfrm>
+          <a:prstGeom prst="rect">
+            <a:avLst/>
+          </a:prstGeom>
+          <a:noFill/>
+          <a:ln w="28575">
+            <a:solidFill>
+              <a:schemeClr val="tx1"/>
+            </a:solidFill>
+          </a:ln>
+        </p:spPr>
+        <p:style>
+          <a:lnRef idx="2">
+            <a:schemeClr val="accent1">
+              <a:shade val="50000"/>
+            </a:schemeClr>
+          </a:lnRef>
+          <a:fillRef idx="1">
+            <a:schemeClr val="accent1"/>
+          </a:fillRef>
+          <a:effectRef idx="0">
+            <a:schemeClr val="accent1"/>
+          </a:effectRef>
+          <a:fontRef idx="minor">
+            <a:schemeClr val="lt1"/>
+          </a:fontRef>
+        </p:style>
+        <p:txBody>
+          <a:bodyPr rtlCol="0" anchor="ctr"/>
+          <a:lstStyle/>
+          <a:p>
+            <a:pPr algn="ctr"/>
+            <a:endParaRPr lang="en-US"/>
+          </a:p>
+        </p:txBody>
+      </p:sp>
+    </p:spTree>
+    <p:extLst>
+      <p:ext uri="{BB962C8B-B14F-4D97-AF65-F5344CB8AC3E}">
+        <p14:creationId xmlns:p14="http://schemas.microsoft.com/office/powerpoint/2010/main" val="2791122306"/>
+      </p:ext>
+    </p:extLst>
+  </p:cSld>
+  <p:clrMapOvr>
+    <a:masterClrMapping/>
+  </p:clrMapOvr>
+</p:sld>
+</file>
+
+<file path=ppt/slides/slide6.xml><?xml version="1.0" encoding="utf-8"?>
+<p:sld xmlns:a="http://schemas.openxmlformats.org/drawingml/2006/main" xmlns:r="http://schemas.openxmlformats.org/officeDocument/2006/relationships" xmlns:p="http://schemas.openxmlformats.org/presentationml/2006/main">
+  <p:cSld>
+    <p:spTree>
+      <p:nvGrpSpPr>
+        <p:cNvPr id="1" name=""/>
+        <p:cNvGrpSpPr/>
+        <p:nvPr/>
+      </p:nvGrpSpPr>
+      <p:grpSpPr>
+        <a:xfrm>
+          <a:off x="0" y="0"/>
+          <a:ext cx="0" cy="0"/>
+          <a:chOff x="0" y="0"/>
+          <a:chExt cx="0" cy="0"/>
+        </a:xfrm>
+      </p:grpSpPr>
+      <p:sp>
+        <p:nvSpPr>
+          <p:cNvPr id="2" name="Rectangle 1">
+            <a:extLst>
+              <a:ext uri="{FF2B5EF4-FFF2-40B4-BE49-F238E27FC236}">
+                <a16:creationId xmlns:a16="http://schemas.microsoft.com/office/drawing/2014/main" id="{690F6646-17BB-4791-9364-2B9223027CFA}"/>
+              </a:ext>
+            </a:extLst>
+          </p:cNvPr>
+          <p:cNvSpPr/>
+          <p:nvPr/>
+        </p:nvSpPr>
+        <p:spPr>
+          <a:xfrm rot="1288667">
+            <a:off x="2958860" y="1276709"/>
+            <a:ext cx="2631057" cy="1423359"/>
+          </a:xfrm>
+          <a:prstGeom prst="rect">
+            <a:avLst/>
+          </a:prstGeom>
+          <a:noFill/>
+          <a:ln w="38100"/>
+        </p:spPr>
+        <p:style>
+          <a:lnRef idx="2">
+            <a:schemeClr val="accent1">
+              <a:shade val="50000"/>
+            </a:schemeClr>
+          </a:lnRef>
+          <a:fillRef idx="1">
+            <a:schemeClr val="accent1"/>
+          </a:fillRef>
+          <a:effectRef idx="0">
+            <a:schemeClr val="accent1"/>
+          </a:effectRef>
+          <a:fontRef idx="minor">
+            <a:schemeClr val="lt1"/>
+          </a:fontRef>
+        </p:style>
+        <p:txBody>
+          <a:bodyPr rtlCol="0" anchor="ctr"/>
+          <a:lstStyle/>
+          <a:p>
+            <a:pPr algn="ctr"/>
+            <a:endParaRPr lang="en-US"/>
+          </a:p>
+        </p:txBody>
+      </p:sp>
+      <p:cxnSp>
+        <p:nvCxnSpPr>
+          <p:cNvPr id="4" name="Straight Connector 3">
+            <a:extLst>
+              <a:ext uri="{FF2B5EF4-FFF2-40B4-BE49-F238E27FC236}">
+                <a16:creationId xmlns:a16="http://schemas.microsoft.com/office/drawing/2014/main" id="{E7141B5E-0A00-4A88-8138-073133DC10A6}"/>
+              </a:ext>
+            </a:extLst>
+          </p:cNvPr>
+          <p:cNvCxnSpPr>
+            <a:cxnSpLocks/>
+          </p:cNvCxnSpPr>
+          <p:nvPr/>
+        </p:nvCxnSpPr>
+        <p:spPr>
+          <a:xfrm>
+            <a:off x="2700068" y="1302589"/>
+            <a:ext cx="3229495" cy="1328468"/>
+          </a:xfrm>
+          <a:prstGeom prst="line">
+            <a:avLst/>
+          </a:prstGeom>
+          <a:ln w="38100">
+            <a:prstDash val="dash"/>
+          </a:ln>
+        </p:spPr>
+        <p:style>
+          <a:lnRef idx="1">
+            <a:schemeClr val="accent1"/>
+          </a:lnRef>
+          <a:fillRef idx="0">
+            <a:schemeClr val="accent1"/>
+          </a:fillRef>
+          <a:effectRef idx="0">
+            <a:schemeClr val="accent1"/>
+          </a:effectRef>
+          <a:fontRef idx="minor">
+            <a:schemeClr val="tx1"/>
+          </a:fontRef>
+        </p:style>
+      </p:cxnSp>
+      <p:cxnSp>
+        <p:nvCxnSpPr>
+          <p:cNvPr id="10" name="Straight Arrow Connector 9">
+            <a:extLst>
+              <a:ext uri="{FF2B5EF4-FFF2-40B4-BE49-F238E27FC236}">
+                <a16:creationId xmlns:a16="http://schemas.microsoft.com/office/drawing/2014/main" id="{4B11C569-80F4-4931-8547-B239C8E727F3}"/>
+              </a:ext>
+            </a:extLst>
+          </p:cNvPr>
+          <p:cNvCxnSpPr/>
+          <p:nvPr/>
+        </p:nvCxnSpPr>
+        <p:spPr>
+          <a:xfrm>
+            <a:off x="3344814" y="719276"/>
+            <a:ext cx="2493034" cy="974784"/>
+          </a:xfrm>
+          <a:prstGeom prst="straightConnector1">
+            <a:avLst/>
+          </a:prstGeom>
+          <a:ln w="25400">
+            <a:solidFill>
+              <a:schemeClr val="tx1"/>
+            </a:solidFill>
+            <a:headEnd type="triangle" w="lg" len="lg"/>
+            <a:tailEnd type="triangle" w="lg" len="lg"/>
+          </a:ln>
+        </p:spPr>
+        <p:style>
+          <a:lnRef idx="1">
+            <a:schemeClr val="accent1"/>
+          </a:lnRef>
+          <a:fillRef idx="0">
+            <a:schemeClr val="accent1"/>
+          </a:fillRef>
+          <a:effectRef idx="0">
+            <a:schemeClr val="accent1"/>
+          </a:effectRef>
+          <a:fontRef idx="minor">
+            <a:schemeClr val="tx1"/>
+          </a:fontRef>
+        </p:style>
+      </p:cxnSp>
+      <p:sp>
+        <p:nvSpPr>
+          <p:cNvPr id="11" name="TextBox 10">
+            <a:extLst>
+              <a:ext uri="{FF2B5EF4-FFF2-40B4-BE49-F238E27FC236}">
+                <a16:creationId xmlns:a16="http://schemas.microsoft.com/office/drawing/2014/main" id="{40807050-0064-40DF-A60A-9174626E4A5A}"/>
+              </a:ext>
+            </a:extLst>
+          </p:cNvPr>
+          <p:cNvSpPr txBox="1"/>
+          <p:nvPr/>
+        </p:nvSpPr>
+        <p:spPr>
+          <a:xfrm>
+            <a:off x="4704272" y="594091"/>
+            <a:ext cx="470000" cy="707886"/>
+          </a:xfrm>
+          <a:prstGeom prst="rect">
+            <a:avLst/>
+          </a:prstGeom>
+          <a:noFill/>
+        </p:spPr>
+        <p:txBody>
+          <a:bodyPr wrap="none" rtlCol="0">
+            <a:spAutoFit/>
+          </a:bodyPr>
+          <a:lstStyle/>
+          <a:p>
+            <a:r>
+              <a:rPr lang="en-US" sz="4000" dirty="0">
+                <a:latin typeface="Arial" panose="020B0604020202020204" pitchFamily="34" charset="0"/>
+                <a:cs typeface="Arial" panose="020B0604020202020204" pitchFamily="34" charset="0"/>
+              </a:rPr>
+              <a:t>L</a:t>
+            </a:r>
+          </a:p>
+        </p:txBody>
+      </p:sp>
+      <p:cxnSp>
+        <p:nvCxnSpPr>
+          <p:cNvPr id="12" name="Straight Arrow Connector 11">
+            <a:extLst>
+              <a:ext uri="{FF2B5EF4-FFF2-40B4-BE49-F238E27FC236}">
+                <a16:creationId xmlns:a16="http://schemas.microsoft.com/office/drawing/2014/main" id="{FD4D4B67-93BE-4F6C-A117-C5334399CBE1}"/>
+              </a:ext>
+            </a:extLst>
+          </p:cNvPr>
+          <p:cNvCxnSpPr>
+            <a:cxnSpLocks/>
+          </p:cNvCxnSpPr>
+          <p:nvPr/>
+        </p:nvCxnSpPr>
+        <p:spPr>
+          <a:xfrm flipV="1">
+            <a:off x="5381625" y="1819245"/>
+            <a:ext cx="534929" cy="1390680"/>
+          </a:xfrm>
+          <a:prstGeom prst="straightConnector1">
+            <a:avLst/>
+          </a:prstGeom>
+          <a:ln w="25400">
+            <a:solidFill>
+              <a:schemeClr val="tx1"/>
+            </a:solidFill>
+            <a:headEnd type="triangle" w="lg" len="lg"/>
+            <a:tailEnd type="triangle" w="lg" len="lg"/>
+          </a:ln>
+        </p:spPr>
+        <p:style>
+          <a:lnRef idx="1">
+            <a:schemeClr val="accent1"/>
+          </a:lnRef>
+          <a:fillRef idx="0">
+            <a:schemeClr val="accent1"/>
+          </a:fillRef>
+          <a:effectRef idx="0">
+            <a:schemeClr val="accent1"/>
+          </a:effectRef>
+          <a:fontRef idx="minor">
+            <a:schemeClr val="tx1"/>
+          </a:fontRef>
+        </p:style>
+      </p:cxnSp>
+      <p:sp>
+        <p:nvSpPr>
+          <p:cNvPr id="16" name="TextBox 15">
+            <a:extLst>
+              <a:ext uri="{FF2B5EF4-FFF2-40B4-BE49-F238E27FC236}">
+                <a16:creationId xmlns:a16="http://schemas.microsoft.com/office/drawing/2014/main" id="{C0EADE37-F5FE-4712-9A4C-14D689E3B0B5}"/>
+              </a:ext>
+            </a:extLst>
+          </p:cNvPr>
+          <p:cNvSpPr txBox="1"/>
+          <p:nvPr/>
+        </p:nvSpPr>
+        <p:spPr>
+          <a:xfrm>
+            <a:off x="5929563" y="2277114"/>
+            <a:ext cx="668773" cy="707886"/>
+          </a:xfrm>
+          <a:prstGeom prst="rect">
+            <a:avLst/>
+          </a:prstGeom>
+          <a:noFill/>
+        </p:spPr>
+        <p:txBody>
+          <a:bodyPr wrap="none" rtlCol="0">
+            <a:spAutoFit/>
+          </a:bodyPr>
+          <a:lstStyle/>
+          <a:p>
+            <a:r>
+              <a:rPr lang="en-US" sz="4000" dirty="0">
+                <a:latin typeface="Arial" panose="020B0604020202020204" pitchFamily="34" charset="0"/>
+                <a:cs typeface="Arial" panose="020B0604020202020204" pitchFamily="34" charset="0"/>
+              </a:rPr>
+              <a:t>W</a:t>
+            </a:r>
+          </a:p>
+        </p:txBody>
+      </p:sp>
+      <p:cxnSp>
+        <p:nvCxnSpPr>
+          <p:cNvPr id="18" name="Straight Connector 17">
+            <a:extLst>
+              <a:ext uri="{FF2B5EF4-FFF2-40B4-BE49-F238E27FC236}">
+                <a16:creationId xmlns:a16="http://schemas.microsoft.com/office/drawing/2014/main" id="{5122BAF7-DD7F-47A0-8F80-19149891FA3F}"/>
+              </a:ext>
+            </a:extLst>
+          </p:cNvPr>
+          <p:cNvCxnSpPr/>
+          <p:nvPr/>
+        </p:nvCxnSpPr>
+        <p:spPr>
+          <a:xfrm flipH="1">
+            <a:off x="3429000" y="1114425"/>
+            <a:ext cx="533400" cy="1323975"/>
+          </a:xfrm>
+          <a:prstGeom prst="line">
+            <a:avLst/>
+          </a:prstGeom>
+          <a:ln w="57150">
+            <a:solidFill>
+              <a:srgbClr val="FF0000"/>
+            </a:solidFill>
+          </a:ln>
+        </p:spPr>
+        <p:style>
+          <a:lnRef idx="1">
+            <a:schemeClr val="accent1"/>
+          </a:lnRef>
+          <a:fillRef idx="0">
+            <a:schemeClr val="accent1"/>
+          </a:fillRef>
+          <a:effectRef idx="0">
+            <a:schemeClr val="accent1"/>
+          </a:effectRef>
+          <a:fontRef idx="minor">
+            <a:schemeClr val="tx1"/>
+          </a:fontRef>
+        </p:style>
+      </p:cxnSp>
+    </p:spTree>
+    <p:extLst>
+      <p:ext uri="{BB962C8B-B14F-4D97-AF65-F5344CB8AC3E}">
+        <p14:creationId xmlns:p14="http://schemas.microsoft.com/office/powerpoint/2010/main" val="1537798676"/>
+      </p:ext>
+    </p:extLst>
+  </p:cSld>
+  <p:clrMapOvr>
+    <a:masterClrMapping/>
+  </p:clrMapOvr>
+</p:sld>
+</file>
+
 <file path=ppt/theme/theme1.xml><?xml version="1.0" encoding="utf-8"?>
 <a:theme xmlns:a="http://schemas.openxmlformats.org/drawingml/2006/main" name="Office Theme">
   <a:themeElements>
